--- a/Project.pptx
+++ b/Project.pptx
@@ -3072,7 +3072,7 @@
     <p:bg>
       <p:bgPr>
         <a:solidFill>
-          <a:srgbClr val="7B5EA8"/>
+          <a:srgbClr val="0075B2"/>
         </a:solidFill>
       </p:bgPr>
     </p:bg>
@@ -3758,7 +3758,7 @@
     <p:bg>
       <p:bgPr>
         <a:solidFill>
-          <a:srgbClr val="7B5EA8"/>
+          <a:srgbClr val="0075B2"/>
         </a:solidFill>
       </p:bgPr>
     </p:bg>
@@ -5505,7 +5505,7 @@
     <p:bg>
       <p:bgPr>
         <a:solidFill>
-          <a:srgbClr val="7B5EA8"/>
+          <a:srgbClr val="0075B2"/>
         </a:solidFill>
       </p:bgPr>
     </p:bg>
@@ -6724,7 +6724,7 @@
     <p:bg>
       <p:bgPr>
         <a:solidFill>
-          <a:srgbClr val="7B5EA8"/>
+          <a:srgbClr val="0075B2"/>
         </a:solidFill>
       </p:bgPr>
     </p:bg>
@@ -8719,7 +8719,7 @@
     <p:bg>
       <p:bgPr>
         <a:solidFill>
-          <a:srgbClr val="7B5EA8"/>
+          <a:srgbClr val="0075B2"/>
         </a:solidFill>
       </p:bgPr>
     </p:bg>
@@ -10472,7 +10472,7 @@
     <p:bg>
       <p:bgPr>
         <a:solidFill>
-          <a:srgbClr val="7B5EA8"/>
+          <a:srgbClr val="0075B2"/>
         </a:solidFill>
       </p:bgPr>
     </p:bg>
@@ -12273,7 +12273,7 @@
     <p:bg>
       <p:bgPr>
         <a:solidFill>
-          <a:srgbClr val="7B5EA8"/>
+          <a:srgbClr val="0075B2"/>
         </a:solidFill>
       </p:bgPr>
     </p:bg>
@@ -12922,7 +12922,7 @@
     <p:bg>
       <p:bgPr>
         <a:solidFill>
-          <a:srgbClr val="7B5EA8"/>
+          <a:srgbClr val="0075B2"/>
         </a:solidFill>
       </p:bgPr>
     </p:bg>
@@ -14600,7 +14600,7 @@
     <p:bg>
       <p:bgPr>
         <a:solidFill>
-          <a:srgbClr val="7B5EA8"/>
+          <a:srgbClr val="0075B2"/>
         </a:solidFill>
       </p:bgPr>
     </p:bg>
@@ -16401,7 +16401,7 @@
     <p:bg>
       <p:bgPr>
         <a:solidFill>
-          <a:srgbClr val="7B5EA8"/>
+          <a:srgbClr val="0075B2"/>
         </a:solidFill>
       </p:bgPr>
     </p:bg>
@@ -17792,7 +17792,7 @@
     <p:bg>
       <p:bgPr>
         <a:solidFill>
-          <a:srgbClr val="7B5EA8"/>
+          <a:srgbClr val="0075B2"/>
         </a:solidFill>
       </p:bgPr>
     </p:bg>
